--- a/fuentes/contenidos/grado10/guion02/CN_10_02.pptx
+++ b/fuentes/contenidos/grado10/guion02/CN_10_02.pptx
@@ -106,7 +106,18 @@
   </p:defaultTextStyle>
   <p:extLst>
     <p:ext uri="{EFAFB233-063F-42B5-8137-9DF3F51BA10A}">
-      <p15:sldGuideLst xmlns:p15="http://schemas.microsoft.com/office/powerpoint/2012/main" xmlns=""/>
+      <p15:sldGuideLst xmlns:p15="http://schemas.microsoft.com/office/powerpoint/2012/main">
+        <p15:guide id="1" orient="horz" pos="2160">
+          <p15:clr>
+            <a:srgbClr val="A4A3A4"/>
+          </p15:clr>
+        </p15:guide>
+        <p15:guide id="2" pos="2880">
+          <p15:clr>
+            <a:srgbClr val="A4A3A4"/>
+          </p15:clr>
+        </p15:guide>
+      </p15:sldGuideLst>
     </p:ext>
   </p:extLst>
 </p:presentation>
@@ -142,7 +153,7 @@
   <p:timing>
     <p:tnLst>
       <p:par>
-        <p:cTn xmlns:p14="http://schemas.microsoft.com/office/powerpoint/2010/main" id="1" dur="indefinite" restart="never" nodeType="tmRoot"/>
+        <p:cTn id="1" dur="indefinite" restart="never" nodeType="tmRoot"/>
       </p:par>
     </p:tnLst>
   </p:timing>
@@ -179,7 +190,7 @@
   <p:timing>
     <p:tnLst>
       <p:par>
-        <p:cTn xmlns:p14="http://schemas.microsoft.com/office/powerpoint/2010/main" id="1" dur="indefinite" restart="never" nodeType="tmRoot"/>
+        <p:cTn id="1" dur="indefinite" restart="never" nodeType="tmRoot"/>
       </p:par>
     </p:tnLst>
   </p:timing>
@@ -216,7 +227,7 @@
   <p:timing>
     <p:tnLst>
       <p:par>
-        <p:cTn xmlns:p14="http://schemas.microsoft.com/office/powerpoint/2010/main" id="1" dur="indefinite" restart="never" nodeType="tmRoot"/>
+        <p:cTn id="1" dur="indefinite" restart="never" nodeType="tmRoot"/>
       </p:par>
     </p:tnLst>
   </p:timing>
@@ -253,7 +264,7 @@
   <p:timing>
     <p:tnLst>
       <p:par>
-        <p:cTn xmlns:p14="http://schemas.microsoft.com/office/powerpoint/2010/main" id="1" dur="indefinite" restart="never" nodeType="tmRoot"/>
+        <p:cTn id="1" dur="indefinite" restart="never" nodeType="tmRoot"/>
       </p:par>
     </p:tnLst>
   </p:timing>
@@ -290,7 +301,7 @@
   <p:timing>
     <p:tnLst>
       <p:par>
-        <p:cTn xmlns:p14="http://schemas.microsoft.com/office/powerpoint/2010/main" id="1" dur="indefinite" restart="never" nodeType="tmRoot"/>
+        <p:cTn id="1" dur="indefinite" restart="never" nodeType="tmRoot"/>
       </p:par>
     </p:tnLst>
   </p:timing>
@@ -327,7 +338,7 @@
   <p:timing>
     <p:tnLst>
       <p:par>
-        <p:cTn xmlns:p14="http://schemas.microsoft.com/office/powerpoint/2010/main" id="1" dur="indefinite" restart="never" nodeType="tmRoot"/>
+        <p:cTn id="1" dur="indefinite" restart="never" nodeType="tmRoot"/>
       </p:par>
     </p:tnLst>
   </p:timing>
@@ -364,7 +375,7 @@
   <p:timing>
     <p:tnLst>
       <p:par>
-        <p:cTn xmlns:p14="http://schemas.microsoft.com/office/powerpoint/2010/main" id="1" dur="indefinite" restart="never" nodeType="tmRoot"/>
+        <p:cTn id="1" dur="indefinite" restart="never" nodeType="tmRoot"/>
       </p:par>
     </p:tnLst>
   </p:timing>
@@ -401,7 +412,7 @@
   <p:timing>
     <p:tnLst>
       <p:par>
-        <p:cTn xmlns:p14="http://schemas.microsoft.com/office/powerpoint/2010/main" id="1" dur="indefinite" restart="never" nodeType="tmRoot"/>
+        <p:cTn id="1" dur="indefinite" restart="never" nodeType="tmRoot"/>
       </p:par>
     </p:tnLst>
   </p:timing>
@@ -450,7 +461,7 @@
           <a:p>
             <a:fld id="{5001C876-01F7-4317-94B9-1AE222133113}" type="datetimeFigureOut">
               <a:rPr lang="es-ES" smtClean="0"/>
-              <a:t>03/09/15</a:t>
+              <a:t>14/09/2015</a:t>
             </a:fld>
             <a:endParaRPr lang="es-ES"/>
           </a:p>
@@ -508,7 +519,7 @@
           <a:p>
             <a:fld id="{58140F73-F5A2-4B82-A2FA-BF1850CF1309}" type="slidenum">
               <a:rPr lang="es-ES" smtClean="0"/>
-              <a:t>‹#›</a:t>
+              <a:t>‹Nº›</a:t>
             </a:fld>
             <a:endParaRPr lang="es-ES"/>
           </a:p>
@@ -527,7 +538,7 @@
   <p:timing>
     <p:tnLst>
       <p:par>
-        <p:cTn xmlns:p14="http://schemas.microsoft.com/office/powerpoint/2010/main" id="1" dur="indefinite" restart="never" nodeType="tmRoot"/>
+        <p:cTn id="1" dur="indefinite" restart="never" nodeType="tmRoot"/>
       </p:par>
     </p:tnLst>
   </p:timing>
@@ -564,7 +575,7 @@
   <p:timing>
     <p:tnLst>
       <p:par>
-        <p:cTn xmlns:p14="http://schemas.microsoft.com/office/powerpoint/2010/main" id="1" dur="indefinite" restart="never" nodeType="tmRoot"/>
+        <p:cTn id="1" dur="indefinite" restart="never" nodeType="tmRoot"/>
       </p:par>
     </p:tnLst>
   </p:timing>
@@ -601,7 +612,7 @@
   <p:timing>
     <p:tnLst>
       <p:par>
-        <p:cTn xmlns:p14="http://schemas.microsoft.com/office/powerpoint/2010/main" id="1" dur="indefinite" restart="never" nodeType="tmRoot"/>
+        <p:cTn id="1" dur="indefinite" restart="never" nodeType="tmRoot"/>
       </p:par>
     </p:tnLst>
   </p:timing>
@@ -714,7 +725,7 @@
   <p:timing>
     <p:tnLst>
       <p:par>
-        <p:cTn xmlns:p14="http://schemas.microsoft.com/office/powerpoint/2010/main" id="1" dur="indefinite" restart="never" nodeType="tmRoot"/>
+        <p:cTn id="1" dur="indefinite" restart="never" nodeType="tmRoot"/>
       </p:par>
     </p:tnLst>
   </p:timing>
@@ -1175,8 +1186,12 @@
           <a:p>
             <a:pPr algn="ctr"/>
             <a:r>
+              <a:rPr lang="es-ES_tradnl" sz="1300" b="1" dirty="0"/>
+              <a:t>g</a:t>
+            </a:r>
+            <a:r>
               <a:rPr lang="es-ES_tradnl" sz="1300" b="1" dirty="0" smtClean="0"/>
-              <a:t>Generalidades</a:t>
+              <a:t>eneralidades</a:t>
             </a:r>
             <a:endParaRPr lang="es-ES" sz="1300" b="1" dirty="0"/>
           </a:p>
@@ -1325,11 +1340,6 @@
               </a:rPr>
               <a:t>= 0</a:t>
             </a:r>
-            <a:endParaRPr lang="es-ES_tradnl" sz="900" dirty="0" smtClean="0">
-              <a:solidFill>
-                <a:schemeClr val="bg1"/>
-              </a:solidFill>
-            </a:endParaRPr>
           </a:p>
           <a:p>
             <a:pPr marL="171450" indent="-171450">
@@ -1481,8 +1491,8 @@
         </p:nvCxnSpPr>
         <p:spPr>
           <a:xfrm flipH="1">
-            <a:off x="867263" y="2553193"/>
-            <a:ext cx="2345" cy="203835"/>
+            <a:off x="867263" y="2691692"/>
+            <a:ext cx="2345" cy="65336"/>
           </a:xfrm>
           <a:prstGeom prst="straightConnector1">
             <a:avLst/>
@@ -1513,7 +1523,7 @@
         <p:spPr>
           <a:xfrm>
             <a:off x="358204" y="2183861"/>
-            <a:ext cx="1022808" cy="369332"/>
+            <a:ext cx="1022808" cy="507831"/>
           </a:xfrm>
           <a:prstGeom prst="rect">
             <a:avLst/>
@@ -1528,12 +1538,8 @@
           <a:p>
             <a:pPr algn="ctr"/>
             <a:r>
-              <a:rPr lang="en-US" sz="900" dirty="0" err="1"/>
-              <a:t>s</a:t>
-            </a:r>
-            <a:r>
               <a:rPr lang="en-US" sz="900" dirty="0" err="1" smtClean="0"/>
-              <a:t>us</a:t>
+              <a:t>cuyas</a:t>
             </a:r>
             <a:r>
               <a:rPr lang="en-US" sz="900" dirty="0" smtClean="0"/>
@@ -1610,7 +1616,7 @@
             <a:pPr algn="ctr"/>
             <a:r>
               <a:rPr lang="en-US" sz="900" dirty="0" err="1" smtClean="0"/>
-              <a:t>sus</a:t>
+              <a:t>cuyas</a:t>
             </a:r>
             <a:r>
               <a:rPr lang="en-US" sz="900" dirty="0" smtClean="0"/>
@@ -1618,15 +1624,7 @@
             </a:r>
             <a:r>
               <a:rPr lang="en-US" sz="900" dirty="0" err="1" smtClean="0"/>
-              <a:t>caracter</a:t>
-            </a:r>
-            <a:r>
-              <a:rPr lang="en-US" sz="900" dirty="0" err="1" smtClean="0"/>
-              <a:t>í</a:t>
-            </a:r>
-            <a:r>
-              <a:rPr lang="en-US" sz="900" dirty="0" err="1" smtClean="0"/>
-              <a:t>sticas</a:t>
+              <a:t>características</a:t>
             </a:r>
             <a:r>
               <a:rPr lang="en-US" sz="900" dirty="0" smtClean="0"/>
@@ -1741,7 +1739,7 @@
         <p:spPr>
           <a:xfrm>
             <a:off x="6838028" y="802929"/>
-            <a:ext cx="1079321" cy="230832"/>
+            <a:ext cx="1079321" cy="369332"/>
           </a:xfrm>
           <a:prstGeom prst="rect">
             <a:avLst/>
@@ -1756,12 +1754,20 @@
           <a:p>
             <a:pPr algn="ctr"/>
             <a:r>
-              <a:rPr lang="en-US" sz="900" dirty="0" err="1"/>
-              <a:t>p</a:t>
+              <a:rPr lang="en-US" sz="900" dirty="0" smtClean="0"/>
+              <a:t>del </a:t>
             </a:r>
             <a:r>
               <a:rPr lang="en-US" sz="900" dirty="0" err="1" smtClean="0"/>
-              <a:t>resenta</a:t>
+              <a:t>cual</a:t>
+            </a:r>
+            <a:r>
+              <a:rPr lang="en-US" sz="900" dirty="0" smtClean="0"/>
+              <a:t> se </a:t>
+            </a:r>
+            <a:r>
+              <a:rPr lang="en-US" sz="900" dirty="0" err="1" smtClean="0"/>
+              <a:t>han</a:t>
             </a:r>
             <a:r>
               <a:rPr lang="en-US" sz="900" dirty="0" smtClean="0"/>
@@ -1769,7 +1775,7 @@
             </a:r>
             <a:r>
               <a:rPr lang="en-US" sz="900" dirty="0" err="1" smtClean="0"/>
-              <a:t>unas</a:t>
+              <a:t>estudiado</a:t>
             </a:r>
             <a:endParaRPr lang="es-ES" sz="900" dirty="0"/>
           </a:p>
@@ -1833,20 +1839,8 @@
           <a:p>
             <a:pPr algn="ctr"/>
             <a:r>
-              <a:rPr lang="en-US" sz="900" dirty="0"/>
-              <a:t>l</a:t>
-            </a:r>
-            <a:r>
-              <a:rPr lang="en-US" sz="900" dirty="0" smtClean="0"/>
-              <a:t>os </a:t>
-            </a:r>
-            <a:r>
-              <a:rPr lang="en-US" sz="900" dirty="0" err="1" smtClean="0"/>
-              <a:t>cuales</a:t>
-            </a:r>
-            <a:r>
-              <a:rPr lang="en-US" sz="900" dirty="0" smtClean="0"/>
-              <a:t> son</a:t>
+              <a:rPr lang="en-US" sz="900" smtClean="0"/>
+              <a:t>como</a:t>
             </a:r>
             <a:endParaRPr lang="es-ES" sz="900" dirty="0"/>
           </a:p>
@@ -1912,16 +1906,8 @@
           <a:p>
             <a:pPr algn="ctr"/>
             <a:r>
-              <a:rPr lang="en-US" sz="900" dirty="0"/>
-              <a:t>t</a:t>
-            </a:r>
-            <a:r>
-              <a:rPr lang="es-ES_tradnl" sz="900" dirty="0" err="1" smtClean="0"/>
-              <a:t>iene</a:t>
-            </a:r>
-            <a:r>
               <a:rPr lang="es-ES_tradnl" sz="900" dirty="0" smtClean="0"/>
-              <a:t> unos tipos</a:t>
+              <a:t> tipo</a:t>
             </a:r>
             <a:endParaRPr lang="es-ES" sz="900" dirty="0"/>
           </a:p>
@@ -2068,13 +2054,8 @@
             </a:r>
             <a:r>
               <a:rPr lang="es-ES_tradnl" sz="900" dirty="0" smtClean="0"/>
-              <a:t>n el vac</a:t>
-            </a:r>
-            <a:r>
-              <a:rPr lang="es-ES_tradnl" sz="900" dirty="0" smtClean="0"/>
-              <a:t>ío</a:t>
-            </a:r>
-            <a:endParaRPr lang="es-ES_tradnl" sz="900" dirty="0" smtClean="0"/>
+              <a:t>n el vacío</a:t>
+            </a:r>
           </a:p>
         </p:txBody>
       </p:sp>
@@ -2088,9 +2069,9 @@
           <p:nvPr/>
         </p:nvCxnSpPr>
         <p:spPr>
-          <a:xfrm>
-            <a:off x="7377689" y="1033761"/>
-            <a:ext cx="5936" cy="101077"/>
+          <a:xfrm flipV="1">
+            <a:off x="7377689" y="1134838"/>
+            <a:ext cx="5936" cy="37423"/>
           </a:xfrm>
           <a:prstGeom prst="straightConnector1">
             <a:avLst/>
@@ -2145,11 +2126,7 @@
             </a:r>
             <a:r>
               <a:rPr lang="en-US" sz="900" dirty="0" err="1" smtClean="0"/>
-              <a:t>gr</a:t>
-            </a:r>
-            <a:r>
-              <a:rPr lang="en-US" sz="900" dirty="0" err="1" smtClean="0"/>
-              <a:t>áficas</a:t>
+              <a:t>gráficas</a:t>
             </a:r>
             <a:r>
               <a:rPr lang="en-US" sz="900" dirty="0" smtClean="0"/>
@@ -2513,12 +2490,8 @@
           <a:p>
             <a:pPr algn="ctr"/>
             <a:r>
-              <a:rPr lang="en-US" sz="900" dirty="0" err="1"/>
-              <a:t>s</a:t>
-            </a:r>
-            <a:r>
               <a:rPr lang="en-US" sz="900" dirty="0" err="1" smtClean="0"/>
-              <a:t>us</a:t>
+              <a:t>cuyas</a:t>
             </a:r>
             <a:r>
               <a:rPr lang="en-US" sz="900" dirty="0" smtClean="0"/>
@@ -2569,11 +2542,7 @@
             </a:r>
             <a:r>
               <a:rPr lang="en-US" sz="900" dirty="0" err="1" smtClean="0"/>
-              <a:t>gr</a:t>
-            </a:r>
-            <a:r>
-              <a:rPr lang="en-US" sz="900" dirty="0" err="1" smtClean="0"/>
-              <a:t>áficas</a:t>
+              <a:t>gráficas</a:t>
             </a:r>
             <a:r>
               <a:rPr lang="en-US" sz="900" dirty="0" smtClean="0"/>
@@ -2710,21 +2679,8 @@
                   <a:schemeClr val="bg1"/>
                 </a:solidFill>
               </a:rPr>
-              <a:t>Aceleraci</a:t>
-            </a:r>
-            <a:r>
-              <a:rPr lang="es-ES_tradnl" sz="900" dirty="0" smtClean="0">
-                <a:solidFill>
-                  <a:schemeClr val="bg1"/>
-                </a:solidFill>
-              </a:rPr>
-              <a:t>ón-tiempo</a:t>
-            </a:r>
-            <a:endParaRPr lang="es-ES_tradnl" sz="900" dirty="0" smtClean="0">
-              <a:solidFill>
-                <a:schemeClr val="bg1"/>
-              </a:solidFill>
-            </a:endParaRPr>
+              <a:t>Aceleración-tiempo</a:t>
+            </a:r>
           </a:p>
         </p:txBody>
       </p:sp>
@@ -2872,15 +2828,7 @@
                   <a:schemeClr val="bg1"/>
                 </a:solidFill>
               </a:rPr>
-              <a:t>Ca</a:t>
-            </a:r>
-            <a:r>
-              <a:rPr lang="es-ES_tradnl" sz="900" dirty="0" smtClean="0">
-                <a:solidFill>
-                  <a:schemeClr val="bg1"/>
-                </a:solidFill>
-              </a:rPr>
-              <a:t>ída libre</a:t>
+              <a:t>Caída libre</a:t>
             </a:r>
             <a:endParaRPr lang="es-ES" sz="900" dirty="0">
               <a:solidFill>
@@ -2996,11 +2944,7 @@
             <a:pPr algn="ctr"/>
             <a:r>
               <a:rPr lang="es-ES_tradnl" sz="900" dirty="0"/>
-              <a:t>El cuerpo acelera mientras cae debido a g</a:t>
-            </a:r>
-            <a:r>
-              <a:rPr lang="es-ES_tradnl" sz="900" dirty="0"/>
-              <a:t> </a:t>
+              <a:t>El cuerpo acelera mientras cae debido a g </a:t>
             </a:r>
             <a:endParaRPr lang="es-ES_tradnl" sz="900" dirty="0" smtClean="0"/>
           </a:p>
@@ -3127,13 +3071,8 @@
             </a:r>
             <a:r>
               <a:rPr lang="es-ES_tradnl" sz="900" dirty="0" smtClean="0"/>
-              <a:t>n el vac</a:t>
-            </a:r>
-            <a:r>
-              <a:rPr lang="es-ES_tradnl" sz="900" dirty="0" smtClean="0"/>
-              <a:t>ío</a:t>
-            </a:r>
-            <a:endParaRPr lang="es-ES_tradnl" sz="900" dirty="0" smtClean="0"/>
+              <a:t>n el vacío</a:t>
+            </a:r>
           </a:p>
         </p:txBody>
       </p:sp>
@@ -3183,11 +3122,7 @@
             <a:pPr algn="ctr"/>
             <a:r>
               <a:rPr lang="es-ES_tradnl" sz="900" dirty="0"/>
-              <a:t>El cuerpo frena mientras sube debido a g</a:t>
-            </a:r>
-            <a:r>
-              <a:rPr lang="es-ES_tradnl" sz="900" dirty="0"/>
-              <a:t> </a:t>
+              <a:t>El cuerpo frena mientras sube debido a g </a:t>
             </a:r>
             <a:endParaRPr lang="es-ES_tradnl" sz="900" dirty="0" smtClean="0"/>
           </a:p>
@@ -3272,11 +3207,7 @@
             <a:pPr algn="ctr"/>
             <a:r>
               <a:rPr lang="es-ES_tradnl" sz="900" dirty="0"/>
-              <a:t>Al llegar a la máxima altura v=0</a:t>
-            </a:r>
-            <a:r>
-              <a:rPr lang="es-ES_tradnl" sz="900" dirty="0"/>
-              <a:t> </a:t>
+              <a:t>Al llegar a la máxima altura v=0 </a:t>
             </a:r>
             <a:endParaRPr lang="es-ES_tradnl" sz="900" dirty="0" smtClean="0"/>
           </a:p>
@@ -3495,15 +3426,7 @@
                   <a:schemeClr val="bg1"/>
                 </a:solidFill>
               </a:rPr>
-              <a:t>Desplazamiento (</a:t>
-            </a:r>
-            <a:r>
-              <a:rPr lang="es-ES_tradnl" sz="900" dirty="0" smtClean="0">
-                <a:solidFill>
-                  <a:schemeClr val="bg1"/>
-                </a:solidFill>
-              </a:rPr>
-              <a:t>∆x)</a:t>
+              <a:t>Desplazamiento (∆x)</a:t>
             </a:r>
           </a:p>
           <a:p>
@@ -3596,15 +3519,7 @@
                   <a:schemeClr val="bg1"/>
                 </a:solidFill>
               </a:rPr>
-              <a:t>Aceleraci</a:t>
-            </a:r>
-            <a:r>
-              <a:rPr lang="es-ES_tradnl" sz="900" dirty="0" smtClean="0">
-                <a:solidFill>
-                  <a:schemeClr val="bg1"/>
-                </a:solidFill>
-              </a:rPr>
-              <a:t>ón (</a:t>
+              <a:t>Aceleración (</a:t>
             </a:r>
             <a:r>
               <a:rPr lang="en-US" sz="900" dirty="0">
@@ -3757,7 +3672,7 @@
   <p:timing>
     <p:tnLst>
       <p:par>
-        <p:cTn xmlns:p14="http://schemas.microsoft.com/office/powerpoint/2010/main" id="1" dur="indefinite" restart="never" nodeType="tmRoot"/>
+        <p:cTn id="1" dur="indefinite" restart="never" nodeType="tmRoot"/>
       </p:par>
     </p:tnLst>
   </p:timing>
@@ -4019,7 +3934,7 @@
   <a:extraClrSchemeLst/>
   <a:extLst>
     <a:ext uri="{05A4C25C-085E-4340-85A3-A5531E510DB2}">
-      <thm15:themeFamily xmlns:thm15="http://schemas.microsoft.com/office/thememl/2012/main" xmlns="" name="Office Theme" id="{62F939B6-93AF-4DB8-9C6B-D6C7DFDC589F}" vid="{4A3C46E8-61CC-4603-A589-7422A47A8E4A}"/>
+      <thm15:themeFamily xmlns:thm15="http://schemas.microsoft.com/office/thememl/2012/main" name="Office Theme" id="{62F939B6-93AF-4DB8-9C6B-D6C7DFDC589F}" vid="{4A3C46E8-61CC-4603-A589-7422A47A8E4A}"/>
     </a:ext>
   </a:extLst>
 </a:theme>

--- a/fuentes/contenidos/grado10/guion02/CN_10_02.pptx
+++ b/fuentes/contenidos/grado10/guion02/CN_10_02.pptx
@@ -461,7 +461,7 @@
           <a:p>
             <a:fld id="{5001C876-01F7-4317-94B9-1AE222133113}" type="datetimeFigureOut">
               <a:rPr lang="es-ES" smtClean="0"/>
-              <a:t>14/09/2015</a:t>
+              <a:t>22/09/2015</a:t>
             </a:fld>
             <a:endParaRPr lang="es-ES"/>
           </a:p>
@@ -1187,7 +1187,7 @@
             <a:pPr algn="ctr"/>
             <a:r>
               <a:rPr lang="es-ES_tradnl" sz="1300" b="1" dirty="0"/>
-              <a:t>g</a:t>
+              <a:t>G</a:t>
             </a:r>
             <a:r>
               <a:rPr lang="es-ES_tradnl" sz="1300" b="1" dirty="0" smtClean="0"/>
@@ -1281,12 +1281,20 @@
               <a:buChar char="•"/>
             </a:pPr>
             <a:r>
+              <a:rPr lang="es-ES_tradnl" sz="900" dirty="0" err="1">
+                <a:solidFill>
+                  <a:schemeClr val="bg1"/>
+                </a:solidFill>
+              </a:rPr>
+              <a:t>t</a:t>
+            </a:r>
+            <a:r>
               <a:rPr lang="es-ES_tradnl" sz="900" dirty="0" err="1" smtClean="0">
                 <a:solidFill>
                   <a:schemeClr val="bg1"/>
                 </a:solidFill>
               </a:rPr>
-              <a:t>Trayectoría</a:t>
+              <a:t>rayectoría</a:t>
             </a:r>
             <a:r>
               <a:rPr lang="es-ES_tradnl" sz="900" dirty="0" smtClean="0">
@@ -1294,7 +1302,15 @@
                   <a:schemeClr val="bg1"/>
                 </a:solidFill>
               </a:rPr>
-              <a:t> rectilínea</a:t>
+              <a:t> </a:t>
+            </a:r>
+            <a:r>
+              <a:rPr lang="es-ES_tradnl" sz="900" dirty="0" smtClean="0">
+                <a:solidFill>
+                  <a:schemeClr val="bg1"/>
+                </a:solidFill>
+              </a:rPr>
+              <a:t>rectilínea</a:t>
             </a:r>
           </a:p>
           <a:p>
@@ -1303,12 +1319,28 @@
               <a:buChar char="•"/>
             </a:pPr>
             <a:r>
+              <a:rPr lang="es-ES_tradnl" sz="900" dirty="0">
+                <a:solidFill>
+                  <a:schemeClr val="bg1"/>
+                </a:solidFill>
+              </a:rPr>
+              <a:t>v</a:t>
+            </a:r>
+            <a:r>
               <a:rPr lang="es-ES_tradnl" sz="900" dirty="0" smtClean="0">
                 <a:solidFill>
                   <a:schemeClr val="bg1"/>
                 </a:solidFill>
               </a:rPr>
-              <a:t>Velocidad constante</a:t>
+              <a:t>elocidad </a:t>
+            </a:r>
+            <a:r>
+              <a:rPr lang="es-ES_tradnl" sz="900" dirty="0" smtClean="0">
+                <a:solidFill>
+                  <a:schemeClr val="bg1"/>
+                </a:solidFill>
+              </a:rPr>
+              <a:t>constante</a:t>
             </a:r>
           </a:p>
           <a:p>
@@ -1679,12 +1711,20 @@
           <a:p>
             <a:pPr algn="ctr"/>
             <a:r>
+              <a:rPr lang="es-ES_tradnl" sz="900" dirty="0" smtClean="0">
+                <a:solidFill>
+                  <a:schemeClr val="bg1"/>
+                </a:solidFill>
+              </a:rPr>
+              <a:t>Es un </a:t>
+            </a:r>
+            <a:r>
               <a:rPr lang="es-ES_tradnl" sz="900" dirty="0">
                 <a:solidFill>
                   <a:schemeClr val="bg1"/>
                 </a:solidFill>
               </a:rPr>
-              <a:t>Es un caso de MRUA </a:t>
+              <a:t>caso de MRUA </a:t>
             </a:r>
             <a:endParaRPr lang="es-ES" sz="900" dirty="0">
               <a:solidFill>
@@ -1964,7 +2004,15 @@
             <a:pPr algn="ctr"/>
             <a:r>
               <a:rPr lang="es-ES_tradnl" sz="1300" b="1" dirty="0"/>
-              <a:t>Caída Libre y Lanzamiento vertical</a:t>
+              <a:t>Caída Libre y </a:t>
+            </a:r>
+            <a:r>
+              <a:rPr lang="es-ES_tradnl" sz="1300" b="1" dirty="0" smtClean="0"/>
+              <a:t>lanzamiento </a:t>
+            </a:r>
+            <a:r>
+              <a:rPr lang="es-ES_tradnl" sz="1300" b="1" dirty="0"/>
+              <a:t>vertical</a:t>
             </a:r>
             <a:endParaRPr lang="es-ES" sz="1300" b="1" dirty="0"/>
           </a:p>
@@ -2222,7 +2270,7 @@
                   <a:schemeClr val="bg1"/>
                 </a:solidFill>
               </a:rPr>
-              <a:t>P</a:t>
+              <a:t>p</a:t>
             </a:r>
             <a:r>
               <a:rPr lang="es-ES_tradnl" sz="900" dirty="0" smtClean="0">
@@ -2232,6 +2280,11 @@
               </a:rPr>
               <a:t>osición-tiempo </a:t>
             </a:r>
+            <a:endParaRPr lang="es-ES_tradnl" sz="900" dirty="0" smtClean="0">
+              <a:solidFill>
+                <a:schemeClr val="bg1"/>
+              </a:solidFill>
+            </a:endParaRPr>
           </a:p>
           <a:p>
             <a:pPr marL="171450" indent="-171450">
@@ -2239,12 +2292,28 @@
               <a:buChar char="•"/>
             </a:pPr>
             <a:r>
+              <a:rPr lang="es-ES_tradnl" sz="900" dirty="0">
+                <a:solidFill>
+                  <a:schemeClr val="bg1"/>
+                </a:solidFill>
+              </a:rPr>
+              <a:t>v</a:t>
+            </a:r>
+            <a:r>
               <a:rPr lang="es-ES_tradnl" sz="900" dirty="0" smtClean="0">
                 <a:solidFill>
                   <a:schemeClr val="bg1"/>
                 </a:solidFill>
               </a:rPr>
-              <a:t>Velocidad- tiempo</a:t>
+              <a:t>elocidad- </a:t>
+            </a:r>
+            <a:r>
+              <a:rPr lang="es-ES_tradnl" sz="900" dirty="0" smtClean="0">
+                <a:solidFill>
+                  <a:schemeClr val="bg1"/>
+                </a:solidFill>
+              </a:rPr>
+              <a:t>tiempo</a:t>
             </a:r>
           </a:p>
         </p:txBody>
@@ -2331,12 +2400,20 @@
               <a:buChar char="•"/>
             </a:pPr>
             <a:r>
+              <a:rPr lang="es-ES_tradnl" sz="900" dirty="0" err="1">
+                <a:solidFill>
+                  <a:schemeClr val="bg1"/>
+                </a:solidFill>
+              </a:rPr>
+              <a:t>t</a:t>
+            </a:r>
+            <a:r>
               <a:rPr lang="es-ES_tradnl" sz="900" dirty="0" err="1" smtClean="0">
                 <a:solidFill>
                   <a:schemeClr val="bg1"/>
                 </a:solidFill>
               </a:rPr>
-              <a:t>Trayectoría</a:t>
+              <a:t>rayectoría</a:t>
             </a:r>
             <a:r>
               <a:rPr lang="es-ES_tradnl" sz="900" dirty="0" smtClean="0">
@@ -2344,7 +2421,15 @@
                   <a:schemeClr val="bg1"/>
                 </a:solidFill>
               </a:rPr>
-              <a:t> rectilínea</a:t>
+              <a:t> </a:t>
+            </a:r>
+            <a:r>
+              <a:rPr lang="es-ES_tradnl" sz="900" dirty="0" smtClean="0">
+                <a:solidFill>
+                  <a:schemeClr val="bg1"/>
+                </a:solidFill>
+              </a:rPr>
+              <a:t>rectilínea</a:t>
             </a:r>
           </a:p>
           <a:p>
@@ -2353,12 +2438,28 @@
               <a:buChar char="•"/>
             </a:pPr>
             <a:r>
+              <a:rPr lang="es-ES_tradnl" sz="900" dirty="0">
+                <a:solidFill>
+                  <a:schemeClr val="bg1"/>
+                </a:solidFill>
+              </a:rPr>
+              <a:t>v</a:t>
+            </a:r>
+            <a:r>
               <a:rPr lang="es-ES_tradnl" sz="900" dirty="0" smtClean="0">
                 <a:solidFill>
                   <a:schemeClr val="bg1"/>
                 </a:solidFill>
               </a:rPr>
-              <a:t>Velocidad constante</a:t>
+              <a:t>elocidad </a:t>
+            </a:r>
+            <a:r>
+              <a:rPr lang="es-ES_tradnl" sz="900" dirty="0" smtClean="0">
+                <a:solidFill>
+                  <a:schemeClr val="bg1"/>
+                </a:solidFill>
+              </a:rPr>
+              <a:t>constante</a:t>
             </a:r>
           </a:p>
           <a:p>
@@ -2638,7 +2739,7 @@
                   <a:schemeClr val="bg1"/>
                 </a:solidFill>
               </a:rPr>
-              <a:t>P</a:t>
+              <a:t>p</a:t>
             </a:r>
             <a:r>
               <a:rPr lang="es-ES_tradnl" sz="900" dirty="0" smtClean="0">
@@ -2648,6 +2749,11 @@
               </a:rPr>
               <a:t>osición-tiempo</a:t>
             </a:r>
+            <a:endParaRPr lang="es-ES_tradnl" sz="900" dirty="0" smtClean="0">
+              <a:solidFill>
+                <a:schemeClr val="bg1"/>
+              </a:solidFill>
+            </a:endParaRPr>
           </a:p>
           <a:p>
             <a:pPr marL="171450" indent="-171450">
@@ -2660,7 +2766,23 @@
                   <a:schemeClr val="bg1"/>
                 </a:solidFill>
               </a:rPr>
-              <a:t>Velocidad- tiempo</a:t>
+              <a:t>v</a:t>
+            </a:r>
+            <a:r>
+              <a:rPr lang="es-ES_tradnl" sz="900" dirty="0" smtClean="0">
+                <a:solidFill>
+                  <a:schemeClr val="bg1"/>
+                </a:solidFill>
+              </a:rPr>
+              <a:t>elocidad- </a:t>
+            </a:r>
+            <a:r>
+              <a:rPr lang="es-ES_tradnl" sz="900" dirty="0">
+                <a:solidFill>
+                  <a:schemeClr val="bg1"/>
+                </a:solidFill>
+              </a:rPr>
+              <a:t>tiempo</a:t>
             </a:r>
             <a:endParaRPr lang="es-ES" sz="900" baseline="30000" dirty="0">
               <a:solidFill>
@@ -2674,13 +2796,26 @@
               <a:buChar char="•"/>
             </a:pPr>
             <a:r>
+              <a:rPr lang="es-ES_tradnl" sz="900" dirty="0">
+                <a:solidFill>
+                  <a:schemeClr val="bg1"/>
+                </a:solidFill>
+              </a:rPr>
+              <a:t>a</a:t>
+            </a:r>
+            <a:r>
               <a:rPr lang="es-ES_tradnl" sz="900" dirty="0" smtClean="0">
                 <a:solidFill>
                   <a:schemeClr val="bg1"/>
                 </a:solidFill>
               </a:rPr>
-              <a:t>Aceleración-tiempo</a:t>
-            </a:r>
+              <a:t>celeración-tiempo</a:t>
+            </a:r>
+            <a:endParaRPr lang="es-ES_tradnl" sz="900" dirty="0" smtClean="0">
+              <a:solidFill>
+                <a:schemeClr val="bg1"/>
+              </a:solidFill>
+            </a:endParaRPr>
           </a:p>
         </p:txBody>
       </p:sp>
@@ -2768,7 +2903,23 @@
                   <a:schemeClr val="bg1"/>
                 </a:solidFill>
               </a:rPr>
-              <a:t>aceleración constante = gravedad g </a:t>
+              <a:t>aceleración constante = gravedad </a:t>
+            </a:r>
+            <a:r>
+              <a:rPr lang="es-ES_tradnl" sz="900" b="1" dirty="0">
+                <a:solidFill>
+                  <a:schemeClr val="bg1"/>
+                </a:solidFill>
+              </a:rPr>
+              <a:t>g</a:t>
+            </a:r>
+            <a:r>
+              <a:rPr lang="es-ES_tradnl" sz="900" dirty="0">
+                <a:solidFill>
+                  <a:schemeClr val="bg1"/>
+                </a:solidFill>
+              </a:rPr>
+              <a:t> </a:t>
             </a:r>
             <a:endParaRPr lang="es-ES" sz="900" dirty="0">
               <a:solidFill>
@@ -2823,12 +2974,28 @@
           <a:p>
             <a:pPr algn="ctr"/>
             <a:r>
+              <a:rPr lang="es-ES_tradnl" sz="900" dirty="0">
+                <a:solidFill>
+                  <a:schemeClr val="bg1"/>
+                </a:solidFill>
+              </a:rPr>
+              <a:t>c</a:t>
+            </a:r>
+            <a:r>
               <a:rPr lang="es-ES_tradnl" sz="900" dirty="0" smtClean="0">
                 <a:solidFill>
                   <a:schemeClr val="bg1"/>
                 </a:solidFill>
               </a:rPr>
-              <a:t>Caída libre</a:t>
+              <a:t>aída </a:t>
+            </a:r>
+            <a:r>
+              <a:rPr lang="es-ES_tradnl" sz="900" dirty="0" smtClean="0">
+                <a:solidFill>
+                  <a:schemeClr val="bg1"/>
+                </a:solidFill>
+              </a:rPr>
+              <a:t>libre</a:t>
             </a:r>
             <a:endParaRPr lang="es-ES" sz="900" dirty="0">
               <a:solidFill>
@@ -2944,7 +3111,15 @@
             <a:pPr algn="ctr"/>
             <a:r>
               <a:rPr lang="es-ES_tradnl" sz="900" dirty="0"/>
-              <a:t>El cuerpo acelera mientras cae debido a g </a:t>
+              <a:t>El cuerpo acelera mientras cae debido a </a:t>
+            </a:r>
+            <a:r>
+              <a:rPr lang="es-ES_tradnl" sz="900" b="1" dirty="0"/>
+              <a:t>g</a:t>
+            </a:r>
+            <a:r>
+              <a:rPr lang="es-ES_tradnl" sz="900" dirty="0"/>
+              <a:t> </a:t>
             </a:r>
             <a:endParaRPr lang="es-ES_tradnl" sz="900" dirty="0" smtClean="0"/>
           </a:p>
@@ -3122,7 +3297,15 @@
             <a:pPr algn="ctr"/>
             <a:r>
               <a:rPr lang="es-ES_tradnl" sz="900" dirty="0"/>
-              <a:t>El cuerpo frena mientras sube debido a g </a:t>
+              <a:t>El cuerpo frena mientras sube debido a </a:t>
+            </a:r>
+            <a:r>
+              <a:rPr lang="es-ES_tradnl" sz="900" b="1" dirty="0"/>
+              <a:t>g</a:t>
+            </a:r>
+            <a:r>
+              <a:rPr lang="es-ES_tradnl" sz="900" dirty="0"/>
+              <a:t> </a:t>
             </a:r>
             <a:endParaRPr lang="es-ES_tradnl" sz="900" dirty="0" smtClean="0"/>
           </a:p>

--- a/fuentes/contenidos/grado10/guion02/CN_10_02.pptx
+++ b/fuentes/contenidos/grado10/guion02/CN_10_02.pptx
@@ -106,7 +106,7 @@
   </p:defaultTextStyle>
   <p:extLst>
     <p:ext uri="{EFAFB233-063F-42B5-8137-9DF3F51BA10A}">
-      <p15:sldGuideLst xmlns:p15="http://schemas.microsoft.com/office/powerpoint/2012/main">
+      <p15:sldGuideLst xmlns="" xmlns:p15="http://schemas.microsoft.com/office/powerpoint/2012/main">
         <p15:guide id="1" orient="horz" pos="2160">
           <p15:clr>
             <a:srgbClr val="A4A3A4"/>
@@ -153,7 +153,7 @@
   <p:timing>
     <p:tnLst>
       <p:par>
-        <p:cTn id="1" dur="indefinite" restart="never" nodeType="tmRoot"/>
+        <p:cTn xmlns:p14="http://schemas.microsoft.com/office/powerpoint/2010/main" id="1" dur="indefinite" restart="never" nodeType="tmRoot"/>
       </p:par>
     </p:tnLst>
   </p:timing>
@@ -190,7 +190,7 @@
   <p:timing>
     <p:tnLst>
       <p:par>
-        <p:cTn id="1" dur="indefinite" restart="never" nodeType="tmRoot"/>
+        <p:cTn xmlns:p14="http://schemas.microsoft.com/office/powerpoint/2010/main" id="1" dur="indefinite" restart="never" nodeType="tmRoot"/>
       </p:par>
     </p:tnLst>
   </p:timing>
@@ -227,7 +227,7 @@
   <p:timing>
     <p:tnLst>
       <p:par>
-        <p:cTn id="1" dur="indefinite" restart="never" nodeType="tmRoot"/>
+        <p:cTn xmlns:p14="http://schemas.microsoft.com/office/powerpoint/2010/main" id="1" dur="indefinite" restart="never" nodeType="tmRoot"/>
       </p:par>
     </p:tnLst>
   </p:timing>
@@ -264,7 +264,7 @@
   <p:timing>
     <p:tnLst>
       <p:par>
-        <p:cTn id="1" dur="indefinite" restart="never" nodeType="tmRoot"/>
+        <p:cTn xmlns:p14="http://schemas.microsoft.com/office/powerpoint/2010/main" id="1" dur="indefinite" restart="never" nodeType="tmRoot"/>
       </p:par>
     </p:tnLst>
   </p:timing>
@@ -301,7 +301,7 @@
   <p:timing>
     <p:tnLst>
       <p:par>
-        <p:cTn id="1" dur="indefinite" restart="never" nodeType="tmRoot"/>
+        <p:cTn xmlns:p14="http://schemas.microsoft.com/office/powerpoint/2010/main" id="1" dur="indefinite" restart="never" nodeType="tmRoot"/>
       </p:par>
     </p:tnLst>
   </p:timing>
@@ -338,7 +338,7 @@
   <p:timing>
     <p:tnLst>
       <p:par>
-        <p:cTn id="1" dur="indefinite" restart="never" nodeType="tmRoot"/>
+        <p:cTn xmlns:p14="http://schemas.microsoft.com/office/powerpoint/2010/main" id="1" dur="indefinite" restart="never" nodeType="tmRoot"/>
       </p:par>
     </p:tnLst>
   </p:timing>
@@ -375,7 +375,7 @@
   <p:timing>
     <p:tnLst>
       <p:par>
-        <p:cTn id="1" dur="indefinite" restart="never" nodeType="tmRoot"/>
+        <p:cTn xmlns:p14="http://schemas.microsoft.com/office/powerpoint/2010/main" id="1" dur="indefinite" restart="never" nodeType="tmRoot"/>
       </p:par>
     </p:tnLst>
   </p:timing>
@@ -412,7 +412,7 @@
   <p:timing>
     <p:tnLst>
       <p:par>
-        <p:cTn id="1" dur="indefinite" restart="never" nodeType="tmRoot"/>
+        <p:cTn xmlns:p14="http://schemas.microsoft.com/office/powerpoint/2010/main" id="1" dur="indefinite" restart="never" nodeType="tmRoot"/>
       </p:par>
     </p:tnLst>
   </p:timing>
@@ -461,7 +461,7 @@
           <a:p>
             <a:fld id="{5001C876-01F7-4317-94B9-1AE222133113}" type="datetimeFigureOut">
               <a:rPr lang="es-ES" smtClean="0"/>
-              <a:t>22/09/2015</a:t>
+              <a:t>23/09/15</a:t>
             </a:fld>
             <a:endParaRPr lang="es-ES"/>
           </a:p>
@@ -519,7 +519,7 @@
           <a:p>
             <a:fld id="{58140F73-F5A2-4B82-A2FA-BF1850CF1309}" type="slidenum">
               <a:rPr lang="es-ES" smtClean="0"/>
-              <a:t>‹Nº›</a:t>
+              <a:t>‹#›</a:t>
             </a:fld>
             <a:endParaRPr lang="es-ES"/>
           </a:p>
@@ -538,7 +538,7 @@
   <p:timing>
     <p:tnLst>
       <p:par>
-        <p:cTn id="1" dur="indefinite" restart="never" nodeType="tmRoot"/>
+        <p:cTn xmlns:p14="http://schemas.microsoft.com/office/powerpoint/2010/main" id="1" dur="indefinite" restart="never" nodeType="tmRoot"/>
       </p:par>
     </p:tnLst>
   </p:timing>
@@ -575,7 +575,7 @@
   <p:timing>
     <p:tnLst>
       <p:par>
-        <p:cTn id="1" dur="indefinite" restart="never" nodeType="tmRoot"/>
+        <p:cTn xmlns:p14="http://schemas.microsoft.com/office/powerpoint/2010/main" id="1" dur="indefinite" restart="never" nodeType="tmRoot"/>
       </p:par>
     </p:tnLst>
   </p:timing>
@@ -612,7 +612,7 @@
   <p:timing>
     <p:tnLst>
       <p:par>
-        <p:cTn id="1" dur="indefinite" restart="never" nodeType="tmRoot"/>
+        <p:cTn xmlns:p14="http://schemas.microsoft.com/office/powerpoint/2010/main" id="1" dur="indefinite" restart="never" nodeType="tmRoot"/>
       </p:par>
     </p:tnLst>
   </p:timing>
@@ -725,7 +725,7 @@
   <p:timing>
     <p:tnLst>
       <p:par>
-        <p:cTn id="1" dur="indefinite" restart="never" nodeType="tmRoot"/>
+        <p:cTn xmlns:p14="http://schemas.microsoft.com/office/powerpoint/2010/main" id="1" dur="indefinite" restart="never" nodeType="tmRoot"/>
       </p:par>
     </p:tnLst>
   </p:timing>
@@ -1302,15 +1302,7 @@
                   <a:schemeClr val="bg1"/>
                 </a:solidFill>
               </a:rPr>
-              <a:t> </a:t>
-            </a:r>
-            <a:r>
-              <a:rPr lang="es-ES_tradnl" sz="900" dirty="0" smtClean="0">
-                <a:solidFill>
-                  <a:schemeClr val="bg1"/>
-                </a:solidFill>
-              </a:rPr>
-              <a:t>rectilínea</a:t>
+              <a:t> rectilínea</a:t>
             </a:r>
           </a:p>
           <a:p>
@@ -1332,15 +1324,7 @@
                   <a:schemeClr val="bg1"/>
                 </a:solidFill>
               </a:rPr>
-              <a:t>elocidad </a:t>
-            </a:r>
-            <a:r>
-              <a:rPr lang="es-ES_tradnl" sz="900" dirty="0" smtClean="0">
-                <a:solidFill>
-                  <a:schemeClr val="bg1"/>
-                </a:solidFill>
-              </a:rPr>
-              <a:t>constante</a:t>
+              <a:t>elocidad constante</a:t>
             </a:r>
           </a:p>
           <a:p>
@@ -1396,8 +1380,8 @@
         </p:nvCxnSpPr>
         <p:spPr>
           <a:xfrm>
-            <a:off x="4742115" y="607401"/>
-            <a:ext cx="2635574" cy="195528"/>
+            <a:off x="4743173" y="604752"/>
+            <a:ext cx="2636634" cy="198177"/>
           </a:xfrm>
           <a:prstGeom prst="bentConnector2">
             <a:avLst/>
@@ -1711,12 +1695,20 @@
           <a:p>
             <a:pPr algn="ctr"/>
             <a:r>
+              <a:rPr lang="es-ES_tradnl" sz="900" dirty="0">
+                <a:solidFill>
+                  <a:schemeClr val="bg1"/>
+                </a:solidFill>
+              </a:rPr>
+              <a:t>e</a:t>
+            </a:r>
+            <a:r>
               <a:rPr lang="es-ES_tradnl" sz="900" dirty="0" smtClean="0">
                 <a:solidFill>
                   <a:schemeClr val="bg1"/>
                 </a:solidFill>
               </a:rPr>
-              <a:t>Es un </a:t>
+              <a:t>s un </a:t>
             </a:r>
             <a:r>
               <a:rPr lang="es-ES_tradnl" sz="900" dirty="0">
@@ -1778,8 +1770,8 @@
         </p:nvSpPr>
         <p:spPr>
           <a:xfrm>
-            <a:off x="6838028" y="802929"/>
-            <a:ext cx="1079321" cy="369332"/>
+            <a:off x="6656154" y="802929"/>
+            <a:ext cx="1447305" cy="230832"/>
           </a:xfrm>
           <a:prstGeom prst="rect">
             <a:avLst/>
@@ -2097,8 +2089,8 @@
           <a:p>
             <a:pPr algn="ctr"/>
             <a:r>
-              <a:rPr lang="en-US" sz="900" dirty="0" smtClean="0"/>
-              <a:t>E</a:t>
+              <a:rPr lang="en-US" sz="900" dirty="0"/>
+              <a:t>e</a:t>
             </a:r>
             <a:r>
               <a:rPr lang="es-ES_tradnl" sz="900" dirty="0" smtClean="0"/>
@@ -2117,9 +2109,9 @@
           <p:nvPr/>
         </p:nvCxnSpPr>
         <p:spPr>
-          <a:xfrm flipV="1">
-            <a:off x="7377689" y="1134838"/>
-            <a:ext cx="5936" cy="37423"/>
+          <a:xfrm>
+            <a:off x="7379807" y="1033761"/>
+            <a:ext cx="3818" cy="101077"/>
           </a:xfrm>
           <a:prstGeom prst="straightConnector1">
             <a:avLst/>
@@ -2280,11 +2272,6 @@
               </a:rPr>
               <a:t>osición-tiempo </a:t>
             </a:r>
-            <a:endParaRPr lang="es-ES_tradnl" sz="900" dirty="0" smtClean="0">
-              <a:solidFill>
-                <a:schemeClr val="bg1"/>
-              </a:solidFill>
-            </a:endParaRPr>
           </a:p>
           <a:p>
             <a:pPr marL="171450" indent="-171450">
@@ -2305,15 +2292,7 @@
                   <a:schemeClr val="bg1"/>
                 </a:solidFill>
               </a:rPr>
-              <a:t>elocidad- </a:t>
-            </a:r>
-            <a:r>
-              <a:rPr lang="es-ES_tradnl" sz="900" dirty="0" smtClean="0">
-                <a:solidFill>
-                  <a:schemeClr val="bg1"/>
-                </a:solidFill>
-              </a:rPr>
-              <a:t>tiempo</a:t>
+              <a:t>elocidad- tiempo</a:t>
             </a:r>
           </a:p>
         </p:txBody>
@@ -2421,15 +2400,7 @@
                   <a:schemeClr val="bg1"/>
                 </a:solidFill>
               </a:rPr>
-              <a:t> </a:t>
-            </a:r>
-            <a:r>
-              <a:rPr lang="es-ES_tradnl" sz="900" dirty="0" smtClean="0">
-                <a:solidFill>
-                  <a:schemeClr val="bg1"/>
-                </a:solidFill>
-              </a:rPr>
-              <a:t>rectilínea</a:t>
+              <a:t> rectilínea</a:t>
             </a:r>
           </a:p>
           <a:p>
@@ -2451,15 +2422,7 @@
                   <a:schemeClr val="bg1"/>
                 </a:solidFill>
               </a:rPr>
-              <a:t>elocidad </a:t>
-            </a:r>
-            <a:r>
-              <a:rPr lang="es-ES_tradnl" sz="900" dirty="0" smtClean="0">
-                <a:solidFill>
-                  <a:schemeClr val="bg1"/>
-                </a:solidFill>
-              </a:rPr>
-              <a:t>constante</a:t>
+              <a:t>elocidad constante</a:t>
             </a:r>
           </a:p>
           <a:p>
@@ -2749,11 +2712,6 @@
               </a:rPr>
               <a:t>osición-tiempo</a:t>
             </a:r>
-            <a:endParaRPr lang="es-ES_tradnl" sz="900" dirty="0" smtClean="0">
-              <a:solidFill>
-                <a:schemeClr val="bg1"/>
-              </a:solidFill>
-            </a:endParaRPr>
           </a:p>
           <a:p>
             <a:pPr marL="171450" indent="-171450">
@@ -2811,11 +2769,6 @@
               </a:rPr>
               <a:t>celeración-tiempo</a:t>
             </a:r>
-            <a:endParaRPr lang="es-ES_tradnl" sz="900" dirty="0" smtClean="0">
-              <a:solidFill>
-                <a:schemeClr val="bg1"/>
-              </a:solidFill>
-            </a:endParaRPr>
           </a:p>
         </p:txBody>
       </p:sp>
@@ -2987,15 +2940,7 @@
                   <a:schemeClr val="bg1"/>
                 </a:solidFill>
               </a:rPr>
-              <a:t>aída </a:t>
-            </a:r>
-            <a:r>
-              <a:rPr lang="es-ES_tradnl" sz="900" dirty="0" smtClean="0">
-                <a:solidFill>
-                  <a:schemeClr val="bg1"/>
-                </a:solidFill>
-              </a:rPr>
-              <a:t>libre</a:t>
+              <a:t>aída libre</a:t>
             </a:r>
             <a:endParaRPr lang="es-ES" sz="900" dirty="0">
               <a:solidFill>
@@ -3050,12 +2995,12 @@
           <a:p>
             <a:pPr algn="ctr"/>
             <a:r>
-              <a:rPr lang="es-ES_tradnl" sz="900" dirty="0">
-                <a:solidFill>
-                  <a:schemeClr val="bg1"/>
-                </a:solidFill>
-              </a:rPr>
-              <a:t>Es un caso de MRUA </a:t>
+              <a:rPr lang="es-ES_tradnl" sz="900" dirty="0" smtClean="0">
+                <a:solidFill>
+                  <a:schemeClr val="bg1"/>
+                </a:solidFill>
+              </a:rPr>
+              <a:t>lanzamiento vertical</a:t>
             </a:r>
             <a:endParaRPr lang="es-ES" sz="900" dirty="0">
               <a:solidFill>
@@ -3111,7 +3056,15 @@
             <a:pPr algn="ctr"/>
             <a:r>
               <a:rPr lang="es-ES_tradnl" sz="900" dirty="0"/>
-              <a:t>El cuerpo acelera mientras cae debido a </a:t>
+              <a:t>e</a:t>
+            </a:r>
+            <a:r>
+              <a:rPr lang="es-ES_tradnl" sz="900" dirty="0" smtClean="0"/>
+              <a:t>l </a:t>
+            </a:r>
+            <a:r>
+              <a:rPr lang="es-ES_tradnl" sz="900" dirty="0"/>
+              <a:t>cuerpo acelera mientras cae debido a </a:t>
             </a:r>
             <a:r>
               <a:rPr lang="es-ES_tradnl" sz="900" b="1" dirty="0"/>
@@ -3241,8 +3194,8 @@
           <a:p>
             <a:pPr algn="ctr"/>
             <a:r>
-              <a:rPr lang="en-US" sz="900" dirty="0" smtClean="0"/>
-              <a:t>E</a:t>
+              <a:rPr lang="en-US" sz="900" dirty="0"/>
+              <a:t>e</a:t>
             </a:r>
             <a:r>
               <a:rPr lang="es-ES_tradnl" sz="900" dirty="0" smtClean="0"/>
@@ -3297,7 +3250,15 @@
             <a:pPr algn="ctr"/>
             <a:r>
               <a:rPr lang="es-ES_tradnl" sz="900" dirty="0"/>
-              <a:t>El cuerpo frena mientras sube debido a </a:t>
+              <a:t>e</a:t>
+            </a:r>
+            <a:r>
+              <a:rPr lang="es-ES_tradnl" sz="900" dirty="0" smtClean="0"/>
+              <a:t>l </a:t>
+            </a:r>
+            <a:r>
+              <a:rPr lang="es-ES_tradnl" sz="900" dirty="0"/>
+              <a:t>cuerpo frena mientras sube debido a </a:t>
             </a:r>
             <a:r>
               <a:rPr lang="es-ES_tradnl" sz="900" b="1" dirty="0"/>
@@ -3390,7 +3351,15 @@
             <a:pPr algn="ctr"/>
             <a:r>
               <a:rPr lang="es-ES_tradnl" sz="900" dirty="0"/>
-              <a:t>Al llegar a la máxima altura v=0 </a:t>
+              <a:t>a</a:t>
+            </a:r>
+            <a:r>
+              <a:rPr lang="es-ES_tradnl" sz="900" dirty="0" smtClean="0"/>
+              <a:t>l </a:t>
+            </a:r>
+            <a:r>
+              <a:rPr lang="es-ES_tradnl" sz="900" dirty="0"/>
+              <a:t>llegar a la máxima altura v=0 </a:t>
             </a:r>
             <a:endParaRPr lang="es-ES_tradnl" sz="900" dirty="0" smtClean="0"/>
           </a:p>
@@ -3576,114 +3545,20 @@
               <a:buChar char="•"/>
             </a:pPr>
             <a:r>
-              <a:rPr lang="es-ES_tradnl" sz="900" dirty="0" smtClean="0">
-                <a:solidFill>
-                  <a:schemeClr val="bg1"/>
-                </a:solidFill>
-              </a:rPr>
-              <a:t>Movimiento</a:t>
-            </a:r>
-          </a:p>
-          <a:p>
-            <a:pPr marL="171450" indent="-171450">
-              <a:buFont typeface="Arial"/>
-              <a:buChar char="•"/>
-            </a:pPr>
-            <a:r>
-              <a:rPr lang="es-ES_tradnl" sz="900" dirty="0" smtClean="0">
-                <a:solidFill>
-                  <a:schemeClr val="bg1"/>
-                </a:solidFill>
-              </a:rPr>
-              <a:t>Trayectoria</a:t>
-            </a:r>
-          </a:p>
-          <a:p>
-            <a:pPr marL="171450" indent="-171450">
-              <a:buFont typeface="Arial"/>
-              <a:buChar char="•"/>
-            </a:pPr>
-            <a:r>
-              <a:rPr lang="es-ES_tradnl" sz="900" dirty="0" smtClean="0">
-                <a:solidFill>
-                  <a:schemeClr val="bg1"/>
-                </a:solidFill>
-              </a:rPr>
-              <a:t>Desplazamiento (∆x)</a:t>
-            </a:r>
-          </a:p>
-          <a:p>
-            <a:pPr marL="171450" indent="-171450">
-              <a:buFont typeface="Arial"/>
-              <a:buChar char="•"/>
-            </a:pPr>
-            <a:r>
-              <a:rPr lang="es-ES_tradnl" sz="900" dirty="0" smtClean="0">
-                <a:solidFill>
-                  <a:schemeClr val="bg1"/>
-                </a:solidFill>
-              </a:rPr>
-              <a:t>Distancia recorrida (s)</a:t>
-            </a:r>
-          </a:p>
-          <a:p>
-            <a:pPr marL="171450" indent="-171450">
-              <a:buFont typeface="Arial"/>
-              <a:buChar char="•"/>
-            </a:pPr>
-            <a:r>
-              <a:rPr lang="es-ES_tradnl" sz="900" dirty="0" smtClean="0">
-                <a:solidFill>
-                  <a:schemeClr val="bg1"/>
-                </a:solidFill>
-              </a:rPr>
-              <a:t>Rapidez (v=s/t)</a:t>
-            </a:r>
-          </a:p>
-          <a:p>
-            <a:pPr marL="171450" indent="-171450">
-              <a:buFont typeface="Arial"/>
-              <a:buChar char="•"/>
-            </a:pPr>
-            <a:r>
-              <a:rPr lang="es-ES_tradnl" sz="900" dirty="0" smtClean="0">
-                <a:solidFill>
-                  <a:schemeClr val="bg1"/>
-                </a:solidFill>
-              </a:rPr>
-              <a:t>Velocidad (</a:t>
-            </a:r>
-            <a:r>
-              <a:rPr lang="fr-FR" sz="900" dirty="0">
-                <a:solidFill>
-                  <a:schemeClr val="bg1"/>
-                </a:solidFill>
-              </a:rPr>
-              <a:t>v=∆x /</a:t>
-            </a:r>
-            <a:r>
-              <a:rPr lang="fr-FR" sz="900" dirty="0" err="1">
-                <a:solidFill>
-                  <a:schemeClr val="bg1"/>
-                </a:solidFill>
-              </a:rPr>
-              <a:t>t</a:t>
-            </a:r>
-            <a:r>
-              <a:rPr lang="fr-FR" sz="900" dirty="0">
-                <a:solidFill>
-                  <a:schemeClr val="bg1"/>
-                </a:solidFill>
-              </a:rPr>
-              <a:t> </a:t>
-            </a:r>
-            <a:r>
-              <a:rPr lang="fr-FR" sz="900" dirty="0" smtClean="0">
-                <a:solidFill>
-                  <a:schemeClr val="bg1"/>
-                </a:solidFill>
-              </a:rPr>
-              <a:t>)</a:t>
+              <a:rPr lang="en-US" sz="900" dirty="0">
+                <a:solidFill>
+                  <a:schemeClr val="bg1"/>
+                </a:solidFill>
+              </a:rPr>
+              <a:t>m</a:t>
+            </a:r>
+            <a:r>
+              <a:rPr lang="es-ES_tradnl" sz="900" dirty="0" err="1" smtClean="0">
+                <a:solidFill>
+                  <a:schemeClr val="bg1"/>
+                </a:solidFill>
+              </a:rPr>
+              <a:t>ovimiento</a:t>
             </a:r>
             <a:endParaRPr lang="es-ES_tradnl" sz="900" dirty="0" smtClean="0">
               <a:solidFill>
@@ -3697,12 +3572,172 @@
               <a:buChar char="•"/>
             </a:pPr>
             <a:r>
+              <a:rPr lang="en-US" sz="900" dirty="0">
+                <a:solidFill>
+                  <a:schemeClr val="bg1"/>
+                </a:solidFill>
+              </a:rPr>
+              <a:t>t</a:t>
+            </a:r>
+            <a:r>
+              <a:rPr lang="es-ES_tradnl" sz="900" dirty="0" err="1" smtClean="0">
+                <a:solidFill>
+                  <a:schemeClr val="bg1"/>
+                </a:solidFill>
+              </a:rPr>
+              <a:t>rayectoria</a:t>
+            </a:r>
+            <a:endParaRPr lang="es-ES_tradnl" sz="900" dirty="0" smtClean="0">
+              <a:solidFill>
+                <a:schemeClr val="bg1"/>
+              </a:solidFill>
+            </a:endParaRPr>
+          </a:p>
+          <a:p>
+            <a:pPr marL="171450" indent="-171450">
+              <a:buFont typeface="Arial"/>
+              <a:buChar char="•"/>
+            </a:pPr>
+            <a:r>
+              <a:rPr lang="es-ES_tradnl" sz="900" dirty="0">
+                <a:solidFill>
+                  <a:schemeClr val="bg1"/>
+                </a:solidFill>
+              </a:rPr>
+              <a:t>d</a:t>
+            </a:r>
+            <a:r>
               <a:rPr lang="es-ES_tradnl" sz="900" dirty="0" smtClean="0">
                 <a:solidFill>
                   <a:schemeClr val="bg1"/>
                 </a:solidFill>
               </a:rPr>
-              <a:t>Aceleración (</a:t>
+              <a:t>esplazamiento (∆x)</a:t>
+            </a:r>
+          </a:p>
+          <a:p>
+            <a:pPr marL="171450" indent="-171450">
+              <a:buFont typeface="Arial"/>
+              <a:buChar char="•"/>
+            </a:pPr>
+            <a:r>
+              <a:rPr lang="es-ES_tradnl" sz="900" dirty="0">
+                <a:solidFill>
+                  <a:schemeClr val="bg1"/>
+                </a:solidFill>
+              </a:rPr>
+              <a:t>d</a:t>
+            </a:r>
+            <a:r>
+              <a:rPr lang="es-ES_tradnl" sz="900" dirty="0" smtClean="0">
+                <a:solidFill>
+                  <a:schemeClr val="bg1"/>
+                </a:solidFill>
+              </a:rPr>
+              <a:t>istancia recorrida (s)</a:t>
+            </a:r>
+          </a:p>
+          <a:p>
+            <a:pPr marL="171450" indent="-171450">
+              <a:buFont typeface="Arial"/>
+              <a:buChar char="•"/>
+            </a:pPr>
+            <a:r>
+              <a:rPr lang="es-ES_tradnl" sz="900" dirty="0">
+                <a:solidFill>
+                  <a:schemeClr val="bg1"/>
+                </a:solidFill>
+              </a:rPr>
+              <a:t>r</a:t>
+            </a:r>
+            <a:r>
+              <a:rPr lang="es-ES_tradnl" sz="900" dirty="0" smtClean="0">
+                <a:solidFill>
+                  <a:schemeClr val="bg1"/>
+                </a:solidFill>
+              </a:rPr>
+              <a:t>apidez (v=s/t)</a:t>
+            </a:r>
+          </a:p>
+          <a:p>
+            <a:pPr marL="171450" indent="-171450">
+              <a:buFont typeface="Arial"/>
+              <a:buChar char="•"/>
+            </a:pPr>
+            <a:r>
+              <a:rPr lang="es-ES_tradnl" sz="900" dirty="0">
+                <a:solidFill>
+                  <a:schemeClr val="bg1"/>
+                </a:solidFill>
+              </a:rPr>
+              <a:t>v</a:t>
+            </a:r>
+            <a:r>
+              <a:rPr lang="es-ES_tradnl" sz="900" dirty="0" smtClean="0">
+                <a:solidFill>
+                  <a:schemeClr val="bg1"/>
+                </a:solidFill>
+              </a:rPr>
+              <a:t>elocidad (</a:t>
+            </a:r>
+            <a:r>
+              <a:rPr lang="fr-FR" sz="900" dirty="0">
+                <a:solidFill>
+                  <a:schemeClr val="bg1"/>
+                </a:solidFill>
+              </a:rPr>
+              <a:t>v=∆x /</a:t>
+            </a:r>
+            <a:r>
+              <a:rPr lang="fr-FR" sz="900" dirty="0" err="1">
+                <a:solidFill>
+                  <a:schemeClr val="bg1"/>
+                </a:solidFill>
+              </a:rPr>
+              <a:t>t</a:t>
+            </a:r>
+            <a:r>
+              <a:rPr lang="fr-FR" sz="900" dirty="0">
+                <a:solidFill>
+                  <a:schemeClr val="bg1"/>
+                </a:solidFill>
+              </a:rPr>
+              <a:t> </a:t>
+            </a:r>
+            <a:r>
+              <a:rPr lang="fr-FR" sz="900" dirty="0" smtClean="0">
+                <a:solidFill>
+                  <a:schemeClr val="bg1"/>
+                </a:solidFill>
+              </a:rPr>
+              <a:t>)</a:t>
+            </a:r>
+            <a:endParaRPr lang="es-ES_tradnl" sz="900" dirty="0" smtClean="0">
+              <a:solidFill>
+                <a:schemeClr val="bg1"/>
+              </a:solidFill>
+            </a:endParaRPr>
+          </a:p>
+          <a:p>
+            <a:pPr marL="171450" indent="-171450">
+              <a:buFont typeface="Arial"/>
+              <a:buChar char="•"/>
+            </a:pPr>
+            <a:r>
+              <a:rPr lang="es-ES_tradnl" sz="900" dirty="0">
+                <a:solidFill>
+                  <a:schemeClr val="bg1"/>
+                </a:solidFill>
+              </a:rPr>
+              <a:t>a</a:t>
+            </a:r>
+            <a:r>
+              <a:rPr lang="es-ES_tradnl" sz="900" dirty="0" smtClean="0">
+                <a:solidFill>
+                  <a:schemeClr val="bg1"/>
+                </a:solidFill>
+              </a:rPr>
+              <a:t>celeración (</a:t>
             </a:r>
             <a:r>
               <a:rPr lang="en-US" sz="900" dirty="0">
@@ -3855,7 +3890,7 @@
   <p:timing>
     <p:tnLst>
       <p:par>
-        <p:cTn id="1" dur="indefinite" restart="never" nodeType="tmRoot"/>
+        <p:cTn xmlns:p14="http://schemas.microsoft.com/office/powerpoint/2010/main" id="1" dur="indefinite" restart="never" nodeType="tmRoot"/>
       </p:par>
     </p:tnLst>
   </p:timing>
@@ -4117,7 +4152,7 @@
   <a:extraClrSchemeLst/>
   <a:extLst>
     <a:ext uri="{05A4C25C-085E-4340-85A3-A5531E510DB2}">
-      <thm15:themeFamily xmlns:thm15="http://schemas.microsoft.com/office/thememl/2012/main" name="Office Theme" id="{62F939B6-93AF-4DB8-9C6B-D6C7DFDC589F}" vid="{4A3C46E8-61CC-4603-A589-7422A47A8E4A}"/>
+      <thm15:themeFamily xmlns="" xmlns:thm15="http://schemas.microsoft.com/office/thememl/2012/main" name="Office Theme" id="{62F939B6-93AF-4DB8-9C6B-D6C7DFDC589F}" vid="{4A3C46E8-61CC-4603-A589-7422A47A8E4A}"/>
     </a:ext>
   </a:extLst>
 </a:theme>
